--- a/Evaluation_V2/HowTo.pptx
+++ b/Evaluation_V2/HowTo.pptx
@@ -214,7 +214,7 @@
             <a:fld id="{E494A05E-DEA9-4CEA-A63B-3593EEF3AC45}" type="datetimeFigureOut">
               <a:rPr lang="fr-FR" smtClean="0"/>
               <a:pPr/>
-              <a:t>28/07/2018</a:t>
+              <a:t>29/07/2018</a:t>
             </a:fld>
             <a:endParaRPr lang="fr-FR"/>
           </a:p>
@@ -885,7 +885,7 @@
             <a:fld id="{3A961F90-11F6-4966-B0E5-2BB20F714B78}" type="datetime1">
               <a:rPr lang="fr-FR" smtClean="0"/>
               <a:pPr/>
-              <a:t>28/07/2018</a:t>
+              <a:t>29/07/2018</a:t>
             </a:fld>
             <a:endParaRPr lang="fr-FR"/>
           </a:p>
@@ -1246,7 +1246,7 @@
             <a:fld id="{59700BD1-A4B5-444B-B773-B4FDD97DF200}" type="datetime1">
               <a:rPr lang="fr-FR" smtClean="0"/>
               <a:pPr/>
-              <a:t>28/07/2018</a:t>
+              <a:t>29/07/2018</a:t>
             </a:fld>
             <a:endParaRPr lang="fr-FR"/>
           </a:p>
@@ -1423,7 +1423,7 @@
             <a:fld id="{A354AF49-C35E-40F6-8345-CA866716EE79}" type="datetime1">
               <a:rPr lang="fr-FR" smtClean="0"/>
               <a:pPr/>
-              <a:t>28/07/2018</a:t>
+              <a:t>29/07/2018</a:t>
             </a:fld>
             <a:endParaRPr lang="fr-FR"/>
           </a:p>
@@ -1671,7 +1671,7 @@
             <a:fld id="{EAFEF7E1-4A71-4560-AA4D-33BBAAF32357}" type="datetime1">
               <a:rPr lang="fr-FR" smtClean="0"/>
               <a:pPr/>
-              <a:t>28/07/2018</a:t>
+              <a:t>29/07/2018</a:t>
             </a:fld>
             <a:endParaRPr lang="fr-FR"/>
           </a:p>
@@ -1942,7 +1942,7 @@
             <a:fld id="{9BE6CECE-C4BA-493A-9F45-8F69D8200EC9}" type="datetime1">
               <a:rPr lang="fr-FR" smtClean="0"/>
               <a:pPr/>
-              <a:t>28/07/2018</a:t>
+              <a:t>29/07/2018</a:t>
             </a:fld>
             <a:endParaRPr lang="fr-FR"/>
           </a:p>
@@ -2164,7 +2164,7 @@
             <a:fld id="{6B400324-51BB-4021-B482-6C084AB66459}" type="datetime1">
               <a:rPr lang="fr-FR" smtClean="0"/>
               <a:pPr/>
-              <a:t>28/07/2018</a:t>
+              <a:t>29/07/2018</a:t>
             </a:fld>
             <a:endParaRPr lang="fr-FR"/>
           </a:p>
@@ -2518,7 +2518,7 @@
             <a:fld id="{87C4A39B-E1E0-4B19-A965-1E1097FB3AF3}" type="datetime1">
               <a:rPr lang="fr-FR" smtClean="0"/>
               <a:pPr/>
-              <a:t>28/07/2018</a:t>
+              <a:t>29/07/2018</a:t>
             </a:fld>
             <a:endParaRPr lang="fr-FR"/>
           </a:p>
@@ -2752,7 +2752,7 @@
             <a:fld id="{CEF5A761-699F-4B94-BA43-1E8C0C9C554B}" type="datetime1">
               <a:rPr lang="fr-FR" smtClean="0"/>
               <a:pPr/>
-              <a:t>28/07/2018</a:t>
+              <a:t>29/07/2018</a:t>
             </a:fld>
             <a:endParaRPr lang="fr-FR"/>
           </a:p>
@@ -2894,7 +2894,7 @@
             <a:fld id="{E407DE65-0759-4C9C-9804-8C4C0AC5F8D7}" type="datetime1">
               <a:rPr lang="fr-FR" smtClean="0"/>
               <a:pPr/>
-              <a:t>28/07/2018</a:t>
+              <a:t>29/07/2018</a:t>
             </a:fld>
             <a:endParaRPr lang="fr-FR"/>
           </a:p>
@@ -3173,7 +3173,7 @@
             <a:fld id="{6DCAF433-E5EB-4B74-B8BB-3F6D9EEAE800}" type="datetime1">
               <a:rPr lang="fr-FR" smtClean="0"/>
               <a:pPr/>
-              <a:t>28/07/2018</a:t>
+              <a:t>29/07/2018</a:t>
             </a:fld>
             <a:endParaRPr lang="fr-FR"/>
           </a:p>
@@ -3582,7 +3582,7 @@
             <a:fld id="{E5AEAC06-18E9-471A-B77A-CDA5C363BF1F}" type="datetime1">
               <a:rPr lang="fr-FR" smtClean="0"/>
               <a:pPr/>
-              <a:t>28/07/2018</a:t>
+              <a:t>29/07/2018</a:t>
             </a:fld>
             <a:endParaRPr lang="fr-FR"/>
           </a:p>
@@ -3922,7 +3922,7 @@
             <a:fld id="{B9178431-C703-4FD6-9F6F-E8F5512852E2}" type="datetime1">
               <a:rPr lang="fr-FR" smtClean="0"/>
               <a:pPr/>
-              <a:t>28/07/2018</a:t>
+              <a:t>29/07/2018</a:t>
             </a:fld>
             <a:endParaRPr lang="fr-FR"/>
           </a:p>
@@ -5255,17 +5255,100 @@
           <a:p>
             <a:r>
               <a:rPr lang="fr-FR" dirty="0"/>
-              <a:t>Créer le barème</a:t>
-            </a:r>
-          </a:p>
-          <a:p>
+              <a:t>Créer le barème fichier.csv, séparateur « ; »</a:t>
+            </a:r>
+          </a:p>
+          <a:p>
+            <a:pPr lvl="1"/>
+            <a:r>
+              <a:rPr lang="fr-FR" dirty="0"/>
+              <a:t>Ligne 1 : Colonnes 1, 2 et 3 inutiles, Colonnes 4 à n : liste des questions</a:t>
+            </a:r>
+          </a:p>
+          <a:p>
+            <a:pPr lvl="1"/>
+            <a:r>
+              <a:rPr lang="fr-FR" dirty="0"/>
+              <a:t>Ligne 2 : Colonnes 1, 2 et 3 inutiles, Colonnes 4 à n : </a:t>
+            </a:r>
+            <a:r>
+              <a:rPr lang="fr-FR" b="1" dirty="0"/>
+              <a:t>somme des poids par question</a:t>
+            </a:r>
+          </a:p>
+          <a:p>
+            <a:pPr lvl="1"/>
+            <a:r>
+              <a:rPr lang="fr-FR" dirty="0"/>
+              <a:t>Ligne 3 : Colonnes 1, 2 et 3 inutiles, nombre de points par question dans la correction (personnellement je note toutes les questions sur 5)</a:t>
+            </a:r>
+          </a:p>
+          <a:p>
+            <a:pPr lvl="1"/>
+            <a:r>
+              <a:rPr lang="fr-FR" dirty="0"/>
+              <a:t>Ligne 4 : année, </a:t>
+            </a:r>
+            <a:r>
+              <a:rPr lang="fr-FR" dirty="0" err="1"/>
+              <a:t>id_competence</a:t>
+            </a:r>
+            <a:r>
+              <a:rPr lang="fr-FR" dirty="0"/>
+              <a:t>, </a:t>
+            </a:r>
+            <a:r>
+              <a:rPr lang="fr-FR" dirty="0" err="1"/>
+              <a:t>nom_competence</a:t>
+            </a:r>
+            <a:r>
+              <a:rPr lang="fr-FR" dirty="0"/>
+              <a:t>, remplir le poids de la compétence par question</a:t>
+            </a:r>
+          </a:p>
+          <a:p>
+            <a:pPr lvl="1"/>
+            <a:r>
+              <a:rPr lang="fr-FR" dirty="0"/>
+              <a:t>Etc… pour toutes les compétences</a:t>
+            </a:r>
+          </a:p>
+          <a:p>
+            <a:r>
+              <a:rPr lang="fr-FR" dirty="0"/>
+              <a:t>Fichier de notes : fichier.csv séparateur ;</a:t>
+            </a:r>
+          </a:p>
+          <a:p>
+            <a:pPr lvl="1"/>
+            <a:r>
+              <a:rPr lang="fr-FR" dirty="0"/>
+              <a:t>Ligne 1 : </a:t>
+            </a:r>
+            <a:r>
+              <a:rPr lang="fr-FR" dirty="0" err="1"/>
+              <a:t>id_eleve</a:t>
+            </a:r>
+            <a:r>
+              <a:rPr lang="fr-FR" dirty="0"/>
+              <a:t>, note à chacune des questions (pour moi, sur 5). </a:t>
+            </a:r>
+            <a:r>
+              <a:rPr lang="fr-FR" b="1" dirty="0"/>
+              <a:t>Dernière colonne, </a:t>
+            </a:r>
+            <a:r>
+              <a:rPr lang="fr-FR" b="1"/>
+              <a:t>commentaire obligatoire. </a:t>
+            </a:r>
+            <a:endParaRPr lang="fr-FR"/>
+          </a:p>
+          <a:p>
+            <a:pPr lvl="1"/>
             <a:endParaRPr lang="fr-FR" dirty="0"/>
           </a:p>
           <a:p>
-            <a:r>
-              <a:rPr lang="fr-FR"/>
-              <a:t>Fichier de notes</a:t>
-            </a:r>
+            <a:pPr lvl="1"/>
             <a:endParaRPr lang="fr-FR" dirty="0"/>
           </a:p>
         </p:txBody>
